--- a/Presentations/projectvoorstel.pptx
+++ b/Presentations/projectvoorstel.pptx
@@ -2291,7 +2291,7 @@
               <a:buNone/>
             </a:pPr>
             <a:r>
-              <a:rPr lang="nl-BE" sz="1200" b="0" i="0" u="none" strike="noStrike" cap="none">
+              <a:rPr lang="nl-BE" sz="1200" b="0" i="0" u="none" strike="noStrike" cap="none" dirty="0" smtClean="0">
                 <a:solidFill>
                   <a:schemeClr val="dk1"/>
                 </a:solidFill>
@@ -2300,8 +2300,29 @@
                 <a:cs typeface="Calibri"/>
                 <a:sym typeface="Calibri"/>
               </a:rPr>
-              <a:t>Dries</a:t>
+              <a:t>Hardware</a:t>
             </a:r>
+            <a:r>
+              <a:rPr lang="nl-BE" sz="1200" b="0" i="0" u="none" strike="noStrike" cap="none" baseline="0" dirty="0" smtClean="0">
+                <a:solidFill>
+                  <a:schemeClr val="dk1"/>
+                </a:solidFill>
+                <a:latin typeface="Calibri"/>
+                <a:ea typeface="Calibri"/>
+                <a:cs typeface="Calibri"/>
+                <a:sym typeface="Calibri"/>
+              </a:rPr>
+              <a:t> uitzoeken en samenzitten om PCB te bespreken (octa library)</a:t>
+            </a:r>
+            <a:endParaRPr lang="nl-BE" sz="1200" b="0" i="0" u="none" strike="noStrike" cap="none" dirty="0">
+              <a:solidFill>
+                <a:schemeClr val="dk1"/>
+              </a:solidFill>
+              <a:latin typeface="Calibri"/>
+              <a:ea typeface="Calibri"/>
+              <a:cs typeface="Calibri"/>
+              <a:sym typeface="Calibri"/>
+            </a:endParaRPr>
           </a:p>
         </p:txBody>
       </p:sp>
@@ -15190,9 +15211,10 @@
               <a:buChar char="•"/>
             </a:pPr>
             <a:r>
-              <a:rPr lang="nl-BE" dirty="0"/>
+              <a:rPr lang="nl-BE" dirty="0" smtClean="0"/>
               <a:t>PIR</a:t>
             </a:r>
+            <a:endParaRPr lang="nl-BE" dirty="0"/>
           </a:p>
           <a:p>
             <a:pPr marL="742950" lvl="1" indent="-457200">
@@ -16135,9 +16157,24 @@
               <a:buChar char="•"/>
             </a:pPr>
             <a:r>
-              <a:rPr lang="nl-BE" dirty="0"/>
+              <a:rPr lang="nl-BE" dirty="0" smtClean="0"/>
               <a:t>PIR</a:t>
             </a:r>
+          </a:p>
+          <a:p>
+            <a:pPr marL="342900" indent="-342900">
+              <a:spcBef>
+                <a:spcPts val="0"/>
+              </a:spcBef>
+              <a:buSzPct val="100000"/>
+              <a:buFont typeface="Arial" panose="020B0604020202020204" pitchFamily="34" charset="0"/>
+              <a:buChar char="•"/>
+            </a:pPr>
+            <a:r>
+              <a:rPr lang="nl-BE" dirty="0" smtClean="0"/>
+              <a:t>Triangulation</a:t>
+            </a:r>
+            <a:endParaRPr lang="nl-BE" dirty="0"/>
           </a:p>
           <a:p>
             <a:pPr marL="342900" lvl="0" indent="-342900">
@@ -16192,8 +16229,13 @@
             </a:pPr>
             <a:r>
               <a:rPr lang="nl-BE" dirty="0" smtClean="0"/>
-              <a:t>Detect presence and identify</a:t>
+              <a:t>Detect presence and </a:t>
             </a:r>
+            <a:r>
+              <a:rPr lang="nl-BE" dirty="0" smtClean="0"/>
+              <a:t>identify (PIR, NFC)</a:t>
+            </a:r>
+            <a:endParaRPr lang="nl-BE" dirty="0" smtClean="0"/>
           </a:p>
           <a:p>
             <a:pPr marL="342900" lvl="0" indent="-342900">
